--- a/项目文档/文档与ppt/G10SRS评审PPT.pptx
+++ b/项目文档/文档与ppt/G10SRS评审PPT.pptx
@@ -245,7 +245,7 @@
           <a:p>
             <a:fld id="{A109EA2A-4C48-4C61-B30A-DAB1A3E93B21}" type="datetimeFigureOut">
               <a:rPr lang="zh-CN" altLang="en-US" smtClean="0"/>
-              <a:t>2021/11/2</a:t>
+              <a:t>2021/12/29</a:t>
             </a:fld>
             <a:endParaRPr lang="zh-CN" altLang="en-US"/>
           </a:p>
@@ -6813,7 +6813,7 @@
         </p:nvSpPr>
         <p:spPr>
           <a:xfrm>
-            <a:off x="166713" y="83305"/>
+            <a:off x="4510113" y="232392"/>
             <a:ext cx="2659702" cy="461665"/>
           </a:xfrm>
           <a:prstGeom prst="rect">
@@ -6874,38 +6874,8 @@
         </p:blipFill>
         <p:spPr>
           <a:xfrm>
-            <a:off x="1036106" y="845157"/>
+            <a:off x="3626906" y="984305"/>
             <a:ext cx="4938188" cy="5540220"/>
-          </a:xfrm>
-          <a:prstGeom prst="rect">
-            <a:avLst/>
-          </a:prstGeom>
-        </p:spPr>
-      </p:pic>
-      <p:pic>
-        <p:nvPicPr>
-          <p:cNvPr id="7" name="图片 6">
-            <a:extLst>
-              <a:ext uri="{FF2B5EF4-FFF2-40B4-BE49-F238E27FC236}">
-                <a16:creationId xmlns:a16="http://schemas.microsoft.com/office/drawing/2014/main" id="{7064394F-0690-4F65-B74B-7C3333B3B156}"/>
-              </a:ext>
-            </a:extLst>
-          </p:cNvPr>
-          <p:cNvPicPr>
-            <a:picLocks noChangeAspect="1"/>
-          </p:cNvPicPr>
-          <p:nvPr/>
-        </p:nvPicPr>
-        <p:blipFill>
-          <a:blip r:embed="rId3"/>
-          <a:stretch>
-            <a:fillRect/>
-          </a:stretch>
-        </p:blipFill>
-        <p:spPr>
-          <a:xfrm>
-            <a:off x="6395933" y="1564896"/>
-            <a:ext cx="4869602" cy="3863675"/>
           </a:xfrm>
           <a:prstGeom prst="rect">
             <a:avLst/>
